--- a/Time-series_forecasting/20220504_RNNsearch.pptx
+++ b/Time-series_forecasting/20220504_RNNsearch.pptx
@@ -10682,8 +10682,8 @@
           </p:txBody>
         </p:sp>
       </p:grpSp>
-      <mc:AlternateContent xmlns:mc="http://schemas.openxmlformats.org/markup-compatibility/2006">
-        <mc:Choice xmlns:a14="http://schemas.microsoft.com/office/drawing/2010/main" Requires="a14">
+      <mc:AlternateContent xmlns:mc="http://schemas.openxmlformats.org/markup-compatibility/2006" xmlns:a14="http://schemas.microsoft.com/office/drawing/2010/main">
+        <mc:Choice Requires="a14">
           <p:sp>
             <p:nvSpPr>
               <p:cNvPr id="2" name="TextBox 1"/>
@@ -10875,7 +10875,7 @@
             </p:txBody>
           </p:sp>
         </mc:Choice>
-        <mc:Fallback>
+        <mc:Fallback xmlns="">
           <p:sp>
             <p:nvSpPr>
               <p:cNvPr id="2" name="TextBox 1"/>
@@ -11067,8 +11067,8 @@
           </p:txBody>
         </p:sp>
       </p:grpSp>
-      <mc:AlternateContent xmlns:mc="http://schemas.openxmlformats.org/markup-compatibility/2006">
-        <mc:Choice xmlns:a14="http://schemas.microsoft.com/office/drawing/2010/main" Requires="a14">
+      <mc:AlternateContent xmlns:mc="http://schemas.openxmlformats.org/markup-compatibility/2006" xmlns:a14="http://schemas.microsoft.com/office/drawing/2010/main">
+        <mc:Choice Requires="a14">
           <p:sp>
             <p:nvSpPr>
               <p:cNvPr id="16" name="TextBox 15"/>
@@ -11223,7 +11223,7 @@
             </p:txBody>
           </p:sp>
         </mc:Choice>
-        <mc:Fallback>
+        <mc:Fallback xmlns="">
           <p:sp>
             <p:nvSpPr>
               <p:cNvPr id="16" name="TextBox 15"/>
@@ -11649,8 +11649,8 @@
           </p:txBody>
         </p:sp>
       </p:grpSp>
-      <mc:AlternateContent xmlns:mc="http://schemas.openxmlformats.org/markup-compatibility/2006">
-        <mc:Choice xmlns:a14="http://schemas.microsoft.com/office/drawing/2010/main" Requires="a14">
+      <mc:AlternateContent xmlns:mc="http://schemas.openxmlformats.org/markup-compatibility/2006" xmlns:a14="http://schemas.microsoft.com/office/drawing/2010/main">
+        <mc:Choice Requires="a14">
           <p:sp>
             <p:nvSpPr>
               <p:cNvPr id="2" name="TextBox 1"/>
@@ -11879,7 +11879,7 @@
             </p:txBody>
           </p:sp>
         </mc:Choice>
-        <mc:Fallback>
+        <mc:Fallback xmlns="">
           <p:sp>
             <p:nvSpPr>
               <p:cNvPr id="2" name="TextBox 1"/>
@@ -12126,8 +12126,8 @@
           </a:extLst>
         </p:spPr>
       </p:pic>
-      <mc:AlternateContent xmlns:mc="http://schemas.openxmlformats.org/markup-compatibility/2006">
-        <mc:Choice xmlns:a14="http://schemas.microsoft.com/office/drawing/2010/main" Requires="a14">
+      <mc:AlternateContent xmlns:mc="http://schemas.openxmlformats.org/markup-compatibility/2006" xmlns:a14="http://schemas.microsoft.com/office/drawing/2010/main">
+        <mc:Choice Requires="a14">
           <p:sp>
             <p:nvSpPr>
               <p:cNvPr id="3" name="직사각형 2"/>
@@ -12245,7 +12245,7 @@
             </p:txBody>
           </p:sp>
         </mc:Choice>
-        <mc:Fallback>
+        <mc:Fallback xmlns="">
           <p:sp>
             <p:nvSpPr>
               <p:cNvPr id="3" name="직사각형 2"/>
@@ -12308,8 +12308,8 @@
           </a:prstGeom>
         </p:spPr>
       </p:pic>
-      <mc:AlternateContent xmlns:mc="http://schemas.openxmlformats.org/markup-compatibility/2006">
-        <mc:Choice xmlns:a14="http://schemas.microsoft.com/office/drawing/2010/main" Requires="a14">
+      <mc:AlternateContent xmlns:mc="http://schemas.openxmlformats.org/markup-compatibility/2006" xmlns:a14="http://schemas.microsoft.com/office/drawing/2010/main">
+        <mc:Choice Requires="a14">
           <p:sp>
             <p:nvSpPr>
               <p:cNvPr id="15" name="TextBox 14"/>
@@ -12412,7 +12412,7 @@
             </p:txBody>
           </p:sp>
         </mc:Choice>
-        <mc:Fallback>
+        <mc:Fallback xmlns="">
           <p:sp>
             <p:nvSpPr>
               <p:cNvPr id="15" name="TextBox 14"/>
@@ -13052,8 +13052,8 @@
           </a:extLst>
         </p:spPr>
       </p:pic>
-      <mc:AlternateContent xmlns:mc="http://schemas.openxmlformats.org/markup-compatibility/2006">
-        <mc:Choice xmlns:a14="http://schemas.microsoft.com/office/drawing/2010/main" Requires="a14">
+      <mc:AlternateContent xmlns:mc="http://schemas.openxmlformats.org/markup-compatibility/2006" xmlns:a14="http://schemas.microsoft.com/office/drawing/2010/main">
+        <mc:Choice Requires="a14">
           <p:sp>
             <p:nvSpPr>
               <p:cNvPr id="17" name="TextBox 16"/>
@@ -13076,7 +13076,6 @@
               </a:bodyPr>
               <a:lstStyle/>
               <a:p>
-                <a:pPr/>
                 <a:r>
                   <a:rPr lang="it-IT" altLang="ko-KR" dirty="0" smtClean="0"/>
                   <a:t>where </a:t>
@@ -13298,7 +13297,7 @@
             </p:txBody>
           </p:sp>
         </mc:Choice>
-        <mc:Fallback>
+        <mc:Fallback xmlns="">
           <p:sp>
             <p:nvSpPr>
               <p:cNvPr id="17" name="TextBox 16"/>
@@ -13337,8 +13336,8 @@
           </p:sp>
         </mc:Fallback>
       </mc:AlternateContent>
-      <mc:AlternateContent xmlns:mc="http://schemas.openxmlformats.org/markup-compatibility/2006">
-        <mc:Choice xmlns:a14="http://schemas.microsoft.com/office/drawing/2010/main" Requires="a14">
+      <mc:AlternateContent xmlns:mc="http://schemas.openxmlformats.org/markup-compatibility/2006" xmlns:a14="http://schemas.microsoft.com/office/drawing/2010/main">
+        <mc:Choice Requires="a14">
           <p:sp>
             <p:nvSpPr>
               <p:cNvPr id="21" name="직사각형 20"/>
@@ -13457,7 +13456,7 @@
             </p:txBody>
           </p:sp>
         </mc:Choice>
-        <mc:Fallback>
+        <mc:Fallback xmlns="">
           <p:sp>
             <p:nvSpPr>
               <p:cNvPr id="21" name="직사각형 20"/>
@@ -13720,10 +13719,10 @@
                       </m:e>
                       <m:sub>
                         <m:r>
-                          <a:rPr lang="en-US" altLang="ko-KR" i="1" dirty="0">
+                          <a:rPr lang="en-US" altLang="ko-KR" b="0" i="1" dirty="0" smtClean="0">
                             <a:latin typeface="Cambria Math" panose="02040503050406030204" pitchFamily="18" charset="0"/>
                           </a:rPr>
-                          <m:t>1</m:t>
+                          <m:t>𝑖</m:t>
                         </m:r>
                       </m:sub>
                     </m:sSub>
@@ -13867,8 +13866,8 @@
           </a:extLst>
         </p:spPr>
       </p:pic>
-      <mc:AlternateContent xmlns:mc="http://schemas.openxmlformats.org/markup-compatibility/2006">
-        <mc:Choice xmlns:a14="http://schemas.microsoft.com/office/drawing/2010/main" Requires="a14">
+      <mc:AlternateContent xmlns:mc="http://schemas.openxmlformats.org/markup-compatibility/2006" xmlns:a14="http://schemas.microsoft.com/office/drawing/2010/main">
+        <mc:Choice Requires="a14">
           <p:sp>
             <p:nvSpPr>
               <p:cNvPr id="23" name="TextBox 22"/>
@@ -13963,7 +13962,7 @@
             </p:txBody>
           </p:sp>
         </mc:Choice>
-        <mc:Fallback>
+        <mc:Fallback xmlns="">
           <p:sp>
             <p:nvSpPr>
               <p:cNvPr id="23" name="TextBox 22"/>
@@ -14483,8 +14482,8 @@
           </a:extLst>
         </p:spPr>
       </p:pic>
-      <mc:AlternateContent xmlns:mc="http://schemas.openxmlformats.org/markup-compatibility/2006">
-        <mc:Choice xmlns:a14="http://schemas.microsoft.com/office/drawing/2010/main" Requires="a14">
+      <mc:AlternateContent xmlns:mc="http://schemas.openxmlformats.org/markup-compatibility/2006" xmlns:a14="http://schemas.microsoft.com/office/drawing/2010/main">
+        <mc:Choice Requires="a14">
           <p:sp>
             <p:nvSpPr>
               <p:cNvPr id="3" name="직사각형 2"/>
@@ -14690,7 +14689,7 @@
             </p:txBody>
           </p:sp>
         </mc:Choice>
-        <mc:Fallback>
+        <mc:Fallback xmlns="">
           <p:sp>
             <p:nvSpPr>
               <p:cNvPr id="3" name="직사각형 2"/>
@@ -15553,13 +15552,37 @@
                   <a:rPr lang="en-US" altLang="ko-KR" dirty="0" smtClean="0">
                     <a:sym typeface="Wingdings" panose="05000000000000000000" pitchFamily="2" charset="2"/>
                   </a:rPr>
-                  <a:t>Forward hidden state</a:t>
+                  <a:t>Forward hidden </a:t>
+                </a:r>
+                <a:r>
+                  <a:rPr lang="en-US" altLang="ko-KR" dirty="0" smtClean="0">
+                    <a:sym typeface="Wingdings" panose="05000000000000000000" pitchFamily="2" charset="2"/>
+                  </a:rPr>
+                  <a:t>state</a:t>
                 </a:r>
                 <a:r>
                   <a:rPr lang="ko-KR" altLang="en-US" dirty="0" smtClean="0">
                     <a:sym typeface="Wingdings" panose="05000000000000000000" pitchFamily="2" charset="2"/>
                   </a:rPr>
-                  <a:t>를 연결하여 각 단어 </a:t>
+                  <a:t>와 </a:t>
+                </a:r>
+                <a:r>
+                  <a:rPr lang="en-US" altLang="ko-KR" dirty="0" smtClean="0">
+                    <a:sym typeface="Wingdings" panose="05000000000000000000" pitchFamily="2" charset="2"/>
+                  </a:rPr>
+                  <a:t>backward </a:t>
+                </a:r>
+                <a:r>
+                  <a:rPr lang="ko-KR" altLang="en-US" dirty="0" smtClean="0">
+                    <a:sym typeface="Wingdings" panose="05000000000000000000" pitchFamily="2" charset="2"/>
+                  </a:rPr>
+                  <a:t>를 </a:t>
+                </a:r>
+                <a:r>
+                  <a:rPr lang="ko-KR" altLang="en-US" dirty="0" smtClean="0">
+                    <a:sym typeface="Wingdings" panose="05000000000000000000" pitchFamily="2" charset="2"/>
+                  </a:rPr>
+                  <a:t>연결하여 각 단어 </a:t>
                 </a:r>
                 <a14:m>
                   <m:oMath xmlns:m="http://schemas.openxmlformats.org/officeDocument/2006/math">
@@ -15830,8 +15853,8 @@
           </a:extLst>
         </p:spPr>
       </p:pic>
-      <mc:AlternateContent xmlns:mc="http://schemas.openxmlformats.org/markup-compatibility/2006">
-        <mc:Choice xmlns:a14="http://schemas.microsoft.com/office/drawing/2010/main" Requires="a14">
+      <mc:AlternateContent xmlns:mc="http://schemas.openxmlformats.org/markup-compatibility/2006" xmlns:a14="http://schemas.microsoft.com/office/drawing/2010/main">
+        <mc:Choice Requires="a14">
           <p:sp>
             <p:nvSpPr>
               <p:cNvPr id="2" name="TextBox 1"/>
@@ -16097,7 +16120,7 @@
             </p:txBody>
           </p:sp>
         </mc:Choice>
-        <mc:Fallback>
+        <mc:Fallback xmlns="">
           <p:sp>
             <p:nvSpPr>
               <p:cNvPr id="2" name="TextBox 1"/>
